--- a/Breakout/Breakout.pptx
+++ b/Breakout/Breakout.pptx
@@ -119,6 +119,7 @@
 <p1510:revInfo xmlns:a="http://schemas.openxmlformats.org/drawingml/2006/main" xmlns:r="http://schemas.openxmlformats.org/officeDocument/2006/relationships" xmlns:p1510="http://schemas.microsoft.com/office/powerpoint/2015/10/main">
   <p1510:revLst>
     <p1510:client id="{050AD753-A2DB-4A7F-A168-A5CC545344E0}" v="45" dt="2022-03-18T15:41:10.672"/>
+    <p1510:client id="{77B516EE-5EAC-4C64-9F70-8D8A3F99467E}" v="7" dt="2022-03-18T15:49:47.945"/>
     <p1510:client id="{CFD80CB2-ACC7-4C6D-8473-9C1DC2CC5845}" v="970" dt="2022-03-16T13:06:13.891"/>
   </p1510:revLst>
 </p1510:revInfo>
@@ -4687,35 +4688,6 @@
           </a:p>
         </p:txBody>
       </p:sp>
-      <p:pic>
-        <p:nvPicPr>
-          <p:cNvPr id="4" name="Obrázok 4" descr="Obrázok, na ktorom je text&#10;&#10;Automaticky generovaný popis">
-            <a:extLst>
-              <a:ext uri="{FF2B5EF4-FFF2-40B4-BE49-F238E27FC236}">
-                <a16:creationId xmlns:a16="http://schemas.microsoft.com/office/drawing/2014/main" id="{1C1B1551-0F5E-4728-8AEB-8BABFA44C261}"/>
-              </a:ext>
-            </a:extLst>
-          </p:cNvPr>
-          <p:cNvPicPr>
-            <a:picLocks noGrp="1" noChangeAspect="1"/>
-          </p:cNvPicPr>
-          <p:nvPr>
-            <p:ph idx="1"/>
-          </p:nvPr>
-        </p:nvPicPr>
-        <p:blipFill>
-          <a:blip r:embed="rId2"/>
-          <a:stretch>
-            <a:fillRect/>
-          </a:stretch>
-        </p:blipFill>
-        <p:spPr>
-          <a:xfrm>
-            <a:off x="2240462" y="1328332"/>
-            <a:ext cx="7147405" cy="1983419"/>
-          </a:xfrm>
-        </p:spPr>
-      </p:pic>
       <p:sp>
         <p:nvSpPr>
           <p:cNvPr id="5" name="BlokTextu 4">
@@ -4779,7 +4751,7 @@
           <p:nvPr/>
         </p:nvPicPr>
         <p:blipFill>
-          <a:blip r:embed="rId3"/>
+          <a:blip r:embed="rId2"/>
           <a:stretch>
             <a:fillRect/>
           </a:stretch>
@@ -4809,7 +4781,7 @@
           <p:nvPr/>
         </p:nvPicPr>
         <p:blipFill>
-          <a:blip r:embed="rId4"/>
+          <a:blip r:embed="rId3"/>
           <a:stretch>
             <a:fillRect/>
           </a:stretch>
@@ -4839,7 +4811,7 @@
           <p:nvPr/>
         </p:nvPicPr>
         <p:blipFill>
-          <a:blip r:embed="rId5"/>
+          <a:blip r:embed="rId4"/>
           <a:stretch>
             <a:fillRect/>
           </a:stretch>
@@ -4852,6 +4824,35 @@
           <a:prstGeom prst="rect">
             <a:avLst/>
           </a:prstGeom>
+        </p:spPr>
+      </p:pic>
+      <p:pic>
+        <p:nvPicPr>
+          <p:cNvPr id="13" name="Obrázok 13" descr="Obrázok, na ktorom je text&#10;&#10;Automaticky generovaný popis">
+            <a:extLst>
+              <a:ext uri="{FF2B5EF4-FFF2-40B4-BE49-F238E27FC236}">
+                <a16:creationId xmlns:a16="http://schemas.microsoft.com/office/drawing/2014/main" id="{F29CC3B9-672E-465B-93E7-A43C02D337A6}"/>
+              </a:ext>
+            </a:extLst>
+          </p:cNvPr>
+          <p:cNvPicPr>
+            <a:picLocks noGrp="1" noChangeAspect="1"/>
+          </p:cNvPicPr>
+          <p:nvPr>
+            <p:ph idx="1"/>
+          </p:nvPr>
+        </p:nvPicPr>
+        <p:blipFill>
+          <a:blip r:embed="rId5"/>
+          <a:stretch>
+            <a:fillRect/>
+          </a:stretch>
+        </p:blipFill>
+        <p:spPr>
+          <a:xfrm>
+            <a:off x="1642830" y="1266341"/>
+            <a:ext cx="9175828" cy="2031613"/>
+          </a:xfrm>
         </p:spPr>
       </p:pic>
     </p:spTree>
